--- a/Deliverable 2/A.O.K Laptop System Overhaul Deliverable 2.pptx
+++ b/Deliverable 2/A.O.K Laptop System Overhaul Deliverable 2.pptx
@@ -23,16 +23,17 @@
     <p:sldId id="268" r:id="rId18"/>
     <p:sldId id="269" r:id="rId19"/>
     <p:sldId id="270" r:id="rId20"/>
+    <p:sldId id="271" r:id="rId21"/>
   </p:sldIdLst>
   <p:sldSz cy="5143500" cx="9144000"/>
   <p:notesSz cx="6858000" cy="9144000"/>
   <p:embeddedFontLst>
     <p:embeddedFont>
       <p:font typeface="Roboto"/>
-      <p:regular r:id="rId21"/>
-      <p:bold r:id="rId22"/>
-      <p:italic r:id="rId23"/>
-      <p:boldItalic r:id="rId24"/>
+      <p:regular r:id="rId22"/>
+      <p:bold r:id="rId23"/>
+      <p:italic r:id="rId24"/>
+      <p:boldItalic r:id="rId25"/>
     </p:embeddedFont>
   </p:embeddedFontLst>
   <p:defaultTextStyle>
@@ -1358,6 +1359,105 @@
       <p:sp>
         <p:nvSpPr>
           <p:cNvPr id="167" name="Google Shape;167;g6245559b89_1_35:notes"/>
+          <p:cNvSpPr txBox="1"/>
+          <p:nvPr>
+            <p:ph idx="1" type="body"/>
+          </p:nvPr>
+        </p:nvSpPr>
+        <p:spPr>
+          <a:xfrm>
+            <a:off x="685800" y="4343400"/>
+            <a:ext cx="5486400" cy="4114800"/>
+          </a:xfrm>
+          <a:prstGeom prst="rect">
+            <a:avLst/>
+          </a:prstGeom>
+        </p:spPr>
+        <p:txBody>
+          <a:bodyPr anchorCtr="0" anchor="t" bIns="91425" lIns="91425" spcFirstLastPara="1" rIns="91425" wrap="square" tIns="91425">
+            <a:noAutofit/>
+          </a:bodyPr>
+          <a:lstStyle/>
+          <a:p>
+            <a:pPr indent="0" lvl="0" marL="0" rtl="0" algn="l">
+              <a:spcBef>
+                <a:spcPts val="0"/>
+              </a:spcBef>
+              <a:spcAft>
+                <a:spcPts val="0"/>
+              </a:spcAft>
+              <a:buNone/>
+            </a:pPr>
+            <a:r>
+              <a:t/>
+            </a:r>
+            <a:endParaRPr/>
+          </a:p>
+        </p:txBody>
+      </p:sp>
+    </p:spTree>
+  </p:cSld>
+  <p:clrMapOvr>
+    <a:masterClrMapping/>
+  </p:clrMapOvr>
+</p:notes>
+</file>
+
+<file path=ppt/notesSlides/notesSlide16.xml><?xml version="1.0" encoding="utf-8"?>
+<p:notes xmlns:a="http://schemas.openxmlformats.org/drawingml/2006/main" xmlns:r="http://schemas.openxmlformats.org/officeDocument/2006/relationships" xmlns:mc="http://schemas.openxmlformats.org/markup-compatibility/2006" xmlns:mv="urn:schemas-microsoft-com:mac:vml" xmlns:p="http://schemas.openxmlformats.org/presentationml/2006/main" xmlns:c="http://schemas.openxmlformats.org/drawingml/2006/chart" xmlns:dgm="http://schemas.openxmlformats.org/drawingml/2006/diagram" xmlns:o="urn:schemas-microsoft-com:office:office" xmlns:v="urn:schemas-microsoft-com:vml" xmlns:pvml="urn:schemas-microsoft-com:office:powerpoint" xmlns:com="http://schemas.openxmlformats.org/drawingml/2006/compatibility" xmlns:p14="http://schemas.microsoft.com/office/powerpoint/2010/main" xmlns:p15="http://schemas.microsoft.com/office/powerpoint/2012/main" showMasterPhAnim="0" showMasterSp="0">
+  <p:cSld>
+    <p:spTree>
+      <p:nvGrpSpPr>
+        <p:cNvPr id="171" name="Shape 171"/>
+        <p:cNvGrpSpPr/>
+        <p:nvPr/>
+      </p:nvGrpSpPr>
+      <p:grpSpPr>
+        <a:xfrm>
+          <a:off x="0" y="0"/>
+          <a:ext cx="0" cy="0"/>
+          <a:chOff x="0" y="0"/>
+          <a:chExt cx="0" cy="0"/>
+        </a:xfrm>
+      </p:grpSpPr>
+      <p:sp>
+        <p:nvSpPr>
+          <p:cNvPr id="172" name="Google Shape;172;g6246a5759b_0_0:notes"/>
+          <p:cNvSpPr/>
+          <p:nvPr>
+            <p:ph idx="2" type="sldImg"/>
+          </p:nvPr>
+        </p:nvSpPr>
+        <p:spPr>
+          <a:xfrm>
+            <a:off x="381300" y="685800"/>
+            <a:ext cx="6096000" cy="3429000"/>
+          </a:xfrm>
+          <a:custGeom>
+            <a:rect b="b" l="l" r="r" t="t"/>
+            <a:pathLst>
+              <a:path extrusionOk="0" h="120000" w="120000">
+                <a:moveTo>
+                  <a:pt x="0" y="0"/>
+                </a:moveTo>
+                <a:lnTo>
+                  <a:pt x="120000" y="0"/>
+                </a:lnTo>
+                <a:lnTo>
+                  <a:pt x="120000" y="120000"/>
+                </a:lnTo>
+                <a:lnTo>
+                  <a:pt x="0" y="120000"/>
+                </a:lnTo>
+                <a:close/>
+              </a:path>
+            </a:pathLst>
+          </a:custGeom>
+        </p:spPr>
+      </p:sp>
+      <p:sp>
+        <p:nvSpPr>
+          <p:cNvPr id="173" name="Google Shape;173;g6246a5759b_0_0:notes"/>
           <p:cNvSpPr txBox="1"/>
           <p:nvPr>
             <p:ph idx="1" type="body"/>
@@ -8905,7 +9005,7 @@
             </a:pPr>
             <a:r>
               <a:rPr lang="en"/>
-              <a:t>Alex Varghese, Omar Al-Hedari, Upen Adhikari, Ralu Ofoche, Nima Roomi</a:t>
+              <a:t>Presented by: Alex Varghese, Omar Al-Hedari, Upen Adhikari, Ralu Ofoche, Nima Roomi</a:t>
             </a:r>
             <a:endParaRPr/>
           </a:p>
@@ -9820,14 +9920,14 @@
             <a:endParaRPr/>
           </a:p>
           <a:p>
-            <a:pPr indent="-317500" lvl="2" marL="1371600" rtl="0" algn="l">
-              <a:spcBef>
-                <a:spcPts val="0"/>
-              </a:spcBef>
-              <a:spcAft>
-                <a:spcPts val="0"/>
-              </a:spcAft>
-              <a:buSzPts val="1400"/>
+            <a:pPr indent="-298450" lvl="2" marL="1371600" rtl="0" algn="l">
+              <a:spcBef>
+                <a:spcPts val="0"/>
+              </a:spcBef>
+              <a:spcAft>
+                <a:spcPts val="0"/>
+              </a:spcAft>
+              <a:buSzPts val="1100"/>
               <a:buChar char="■"/>
             </a:pPr>
             <a:r>
@@ -9853,14 +9953,14 @@
             </a:endParaRPr>
           </a:p>
           <a:p>
-            <a:pPr indent="-317500" lvl="2" marL="1371600" rtl="0" algn="l">
-              <a:spcBef>
-                <a:spcPts val="0"/>
-              </a:spcBef>
-              <a:spcAft>
-                <a:spcPts val="0"/>
-              </a:spcAft>
-              <a:buSzPts val="1400"/>
+            <a:pPr indent="-298450" lvl="2" marL="1371600" rtl="0" algn="l">
+              <a:spcBef>
+                <a:spcPts val="0"/>
+              </a:spcBef>
+              <a:spcAft>
+                <a:spcPts val="0"/>
+              </a:spcAft>
+              <a:buSzPts val="1100"/>
               <a:buChar char="■"/>
             </a:pPr>
             <a:r>
@@ -9886,14 +9986,14 @@
             </a:endParaRPr>
           </a:p>
           <a:p>
-            <a:pPr indent="-317500" lvl="2" marL="1371600" rtl="0" algn="l">
-              <a:spcBef>
-                <a:spcPts val="0"/>
-              </a:spcBef>
-              <a:spcAft>
-                <a:spcPts val="0"/>
-              </a:spcAft>
-              <a:buSzPts val="1400"/>
+            <a:pPr indent="-298450" lvl="2" marL="1371600" rtl="0" algn="l">
+              <a:spcBef>
+                <a:spcPts val="0"/>
+              </a:spcBef>
+              <a:spcAft>
+                <a:spcPts val="0"/>
+              </a:spcAft>
+              <a:buSzPts val="1100"/>
               <a:buChar char="■"/>
             </a:pPr>
             <a:r>
@@ -9906,7 +10006,7 @@
                 <a:cs typeface="Arial"/>
                 <a:sym typeface="Arial"/>
               </a:rPr>
-              <a:t> What laptop do you usually rent out? And why?</a:t>
+              <a:t>What laptop do you usually rent out? And why?</a:t>
             </a:r>
             <a:endParaRPr sz="1100">
               <a:solidFill>
@@ -10089,7 +10189,7 @@
         </p:nvSpPr>
         <p:spPr>
           <a:xfrm>
-            <a:off x="311700" y="410000"/>
+            <a:off x="119950" y="306750"/>
             <a:ext cx="8520600" cy="607800"/>
           </a:xfrm>
           <a:prstGeom prst="rect">
@@ -10174,7 +10274,7 @@
                   <a:srgbClr val="000000"/>
                 </a:solidFill>
               </a:rPr>
-              <a:t>It is a transition this semester. Students are just learning that they can do it online. They usually come in. the students usually find no computers in so they are starting to use the website. The 4 hour Chromebooks are sometimes in and there are 10.</a:t>
+              <a:t>It is a transition this semester. Students are just learning that they can do it online. They usually come in. The students usually find no computers in so they are starting to use the website. The 4 hour Chromebooks are sometimes in and there are 10.</a:t>
             </a:r>
             <a:endParaRPr sz="1100">
               <a:solidFill>
@@ -10338,6 +10438,22 @@
               <a:buNone/>
             </a:pPr>
             <a:r>
+              <a:rPr lang="en"/>
+              <a:t>Interview Information Ctd:</a:t>
+            </a:r>
+            <a:endParaRPr/>
+          </a:p>
+          <a:p>
+            <a:pPr indent="0" lvl="0" marL="0" rtl="0" algn="l">
+              <a:spcBef>
+                <a:spcPts val="0"/>
+              </a:spcBef>
+              <a:spcAft>
+                <a:spcPts val="0"/>
+              </a:spcAft>
+              <a:buNone/>
+            </a:pPr>
+            <a:r>
               <a:t/>
             </a:r>
             <a:endParaRPr/>
@@ -10534,8 +10650,8 @@
         </p:blipFill>
         <p:spPr>
           <a:xfrm>
-            <a:off x="2397438" y="1229875"/>
-            <a:ext cx="4349126" cy="3456875"/>
+            <a:off x="1892876" y="1017800"/>
+            <a:ext cx="4695151" cy="3731901"/>
           </a:xfrm>
           <a:prstGeom prst="rect">
             <a:avLst/>
@@ -10544,6 +10660,106 @@
           <a:ln>
             <a:noFill/>
           </a:ln>
+        </p:spPr>
+      </p:pic>
+    </p:spTree>
+  </p:cSld>
+  <p:clrMapOvr>
+    <a:masterClrMapping/>
+  </p:clrMapOvr>
+</p:sld>
+</file>
+
+<file path=ppt/slides/slide16.xml><?xml version="1.0" encoding="utf-8"?>
+<p:sld xmlns:a="http://schemas.openxmlformats.org/drawingml/2006/main" xmlns:r="http://schemas.openxmlformats.org/officeDocument/2006/relationships" xmlns:mc="http://schemas.openxmlformats.org/markup-compatibility/2006" xmlns:mv="urn:schemas-microsoft-com:mac:vml" xmlns:p="http://schemas.openxmlformats.org/presentationml/2006/main" xmlns:c="http://schemas.openxmlformats.org/drawingml/2006/chart" xmlns:dgm="http://schemas.openxmlformats.org/drawingml/2006/diagram" xmlns:o="urn:schemas-microsoft-com:office:office" xmlns:v="urn:schemas-microsoft-com:vml" xmlns:pvml="urn:schemas-microsoft-com:office:powerpoint" xmlns:com="http://schemas.openxmlformats.org/drawingml/2006/compatibility" xmlns:p14="http://schemas.microsoft.com/office/powerpoint/2010/main" xmlns:p15="http://schemas.microsoft.com/office/powerpoint/2012/main">
+  <p:cSld>
+    <p:spTree>
+      <p:nvGrpSpPr>
+        <p:cNvPr id="174" name="Shape 174"/>
+        <p:cNvGrpSpPr/>
+        <p:nvPr/>
+      </p:nvGrpSpPr>
+      <p:grpSpPr>
+        <a:xfrm>
+          <a:off x="0" y="0"/>
+          <a:ext cx="0" cy="0"/>
+          <a:chOff x="0" y="0"/>
+          <a:chExt cx="0" cy="0"/>
+        </a:xfrm>
+      </p:grpSpPr>
+      <p:sp>
+        <p:nvSpPr>
+          <p:cNvPr id="175" name="Google Shape;175;p28"/>
+          <p:cNvSpPr txBox="1"/>
+          <p:nvPr>
+            <p:ph type="title"/>
+          </p:nvPr>
+        </p:nvSpPr>
+        <p:spPr>
+          <a:xfrm>
+            <a:off x="311700" y="410000"/>
+            <a:ext cx="8520600" cy="607800"/>
+          </a:xfrm>
+          <a:prstGeom prst="rect">
+            <a:avLst/>
+          </a:prstGeom>
+        </p:spPr>
+        <p:txBody>
+          <a:bodyPr anchorCtr="0" anchor="t" bIns="91425" lIns="91425" spcFirstLastPara="1" rIns="91425" wrap="square" tIns="91425">
+            <a:noAutofit/>
+          </a:bodyPr>
+          <a:lstStyle/>
+          <a:p>
+            <a:pPr indent="0" lvl="0" marL="0" rtl="0" algn="l">
+              <a:spcBef>
+                <a:spcPts val="0"/>
+              </a:spcBef>
+              <a:spcAft>
+                <a:spcPts val="0"/>
+              </a:spcAft>
+              <a:buNone/>
+            </a:pPr>
+            <a:r>
+              <a:rPr lang="en"/>
+              <a:t>Work Plan/Project Plan</a:t>
+            </a:r>
+            <a:endParaRPr/>
+          </a:p>
+        </p:txBody>
+      </p:sp>
+      <p:pic>
+        <p:nvPicPr>
+          <p:cNvPr id="176" name="Google Shape;176;p28"/>
+          <p:cNvPicPr preferRelativeResize="0"/>
+          <p:nvPr/>
+        </p:nvPicPr>
+        <p:blipFill>
+          <a:blip r:embed="rId3">
+            <a:alphaModFix/>
+          </a:blip>
+          <a:stretch>
+            <a:fillRect/>
+          </a:stretch>
+        </p:blipFill>
+        <p:spPr>
+          <a:xfrm>
+            <a:off x="155850" y="1217877"/>
+            <a:ext cx="8832299" cy="2843498"/>
+          </a:xfrm>
+          <a:prstGeom prst="rect">
+            <a:avLst/>
+          </a:prstGeom>
+          <a:noFill/>
+          <a:ln>
+            <a:noFill/>
+          </a:ln>
+          <a:effectLst>
+            <a:outerShdw blurRad="57150" rotWithShape="0" algn="bl" dir="5400000" dist="19050">
+              <a:srgbClr val="000000">
+                <a:alpha val="50000"/>
+              </a:srgbClr>
+            </a:outerShdw>
+          </a:effectLst>
         </p:spPr>
       </p:pic>
     </p:spTree>
@@ -11297,7 +11513,7 @@
             </a:pPr>
             <a:r>
               <a:rPr lang="en"/>
-              <a:t>signup</a:t>
+              <a:t>SignUp/SignIn</a:t>
             </a:r>
             <a:endParaRPr/>
           </a:p>
@@ -11511,7 +11727,7 @@
             </a:pPr>
             <a:r>
               <a:rPr lang="en"/>
-              <a:t>Will be integrated into current systems that library uses for checking out laptops</a:t>
+              <a:t>Will be integrated into current systems that library uses for checking out laptops such as ALPEH</a:t>
             </a:r>
             <a:endParaRPr/>
           </a:p>
@@ -11528,7 +11744,28 @@
             </a:pPr>
             <a:r>
               <a:rPr lang="en"/>
-              <a:t>Will be able to store pictures needed to check for damages when returning a laptop</a:t>
+              <a:t>Client’s are reliable with minimal crashing and bugs</a:t>
+            </a:r>
+            <a:endParaRPr/>
+          </a:p>
+          <a:p>
+            <a:pPr indent="-342900" lvl="0" marL="457200" rtl="0" algn="l">
+              <a:spcBef>
+                <a:spcPts val="0"/>
+              </a:spcBef>
+              <a:spcAft>
+                <a:spcPts val="0"/>
+              </a:spcAft>
+              <a:buSzPts val="1800"/>
+              <a:buChar char="●"/>
+            </a:pPr>
+            <a:r>
+              <a:rPr lang="en"/>
+              <a:t>Intuitive</a:t>
+            </a:r>
+            <a:r>
+              <a:rPr lang="en"/>
+              <a:t> for easy troubleshooting and understanding</a:t>
             </a:r>
             <a:endParaRPr/>
           </a:p>
@@ -11624,7 +11861,7 @@
         </p:nvSpPr>
         <p:spPr>
           <a:xfrm>
-            <a:off x="311700" y="1229875"/>
+            <a:off x="311700" y="1120925"/>
             <a:ext cx="8520600" cy="3339000"/>
           </a:xfrm>
           <a:prstGeom prst="rect">
@@ -11665,7 +11902,7 @@
             </a:pPr>
             <a:r>
               <a:rPr lang="en"/>
-              <a:t>Mobile app will need a server to connect to reserve a laptop</a:t>
+              <a:t>Mobile app will need a server to connect to reserve a laptop, which should be available 24/7</a:t>
             </a:r>
             <a:endParaRPr/>
           </a:p>
@@ -11682,15 +11919,15 @@
             </a:pPr>
             <a:r>
               <a:rPr lang="en"/>
-              <a:t>Server will run as many </a:t>
+              <a:t>The server should support a minimum of 200 </a:t>
             </a:r>
             <a:r>
               <a:rPr lang="en"/>
-              <a:t>reservations</a:t>
+              <a:t>simultaneous requests</a:t>
             </a:r>
             <a:r>
               <a:rPr lang="en"/>
-              <a:t> based on the number of request</a:t>
+              <a:t> </a:t>
             </a:r>
             <a:endParaRPr/>
           </a:p>
@@ -11711,23 +11948,7 @@
                   <a:srgbClr val="000000"/>
                 </a:solidFill>
               </a:rPr>
-              <a:t>The capacity would practically be the same size as any server such for UMBC network due to </a:t>
-            </a:r>
-            <a:r>
-              <a:rPr lang="en">
-                <a:solidFill>
-                  <a:srgbClr val="000000"/>
-                </a:solidFill>
-              </a:rPr>
-              <a:t>university</a:t>
-            </a:r>
-            <a:r>
-              <a:rPr lang="en">
-                <a:solidFill>
-                  <a:srgbClr val="000000"/>
-                </a:solidFill>
-              </a:rPr>
-              <a:t> budget for the library</a:t>
+              <a:t>The server will be hosted by UMBC for fast local access for Patrons on campus network</a:t>
             </a:r>
             <a:endParaRPr>
               <a:solidFill>
@@ -11752,7 +11973,76 @@
                   <a:srgbClr val="000000"/>
                 </a:solidFill>
               </a:rPr>
-              <a:t>The server would be able to carry the requests for reserving the laptops but may have technical issues around certain times when the library opens and closes. </a:t>
+              <a:t>Potential </a:t>
+            </a:r>
+            <a:r>
+              <a:rPr lang="en">
+                <a:solidFill>
+                  <a:srgbClr val="000000"/>
+                </a:solidFill>
+              </a:rPr>
+              <a:t>reliability</a:t>
+            </a:r>
+            <a:r>
+              <a:rPr lang="en">
+                <a:solidFill>
+                  <a:srgbClr val="000000"/>
+                </a:solidFill>
+              </a:rPr>
+              <a:t> issue if UMBC power or  network goes down</a:t>
+            </a:r>
+            <a:endParaRPr>
+              <a:solidFill>
+                <a:srgbClr val="000000"/>
+              </a:solidFill>
+            </a:endParaRPr>
+          </a:p>
+          <a:p>
+            <a:pPr indent="-342900" lvl="0" marL="457200" rtl="0" algn="l">
+              <a:spcBef>
+                <a:spcPts val="0"/>
+              </a:spcBef>
+              <a:spcAft>
+                <a:spcPts val="0"/>
+              </a:spcAft>
+              <a:buSzPts val="1800"/>
+              <a:buChar char="●"/>
+            </a:pPr>
+            <a:r>
+              <a:rPr lang="en">
+                <a:solidFill>
+                  <a:srgbClr val="000000"/>
+                </a:solidFill>
+              </a:rPr>
+              <a:t>The employee client should provide fast query times for logs 30sec&lt;</a:t>
+            </a:r>
+            <a:endParaRPr>
+              <a:solidFill>
+                <a:srgbClr val="000000"/>
+              </a:solidFill>
+            </a:endParaRPr>
+          </a:p>
+          <a:p>
+            <a:pPr indent="-342900" lvl="0" marL="457200" rtl="0" algn="l">
+              <a:spcBef>
+                <a:spcPts val="0"/>
+              </a:spcBef>
+              <a:spcAft>
+                <a:spcPts val="0"/>
+              </a:spcAft>
+              <a:buClr>
+                <a:srgbClr val="000000"/>
+              </a:buClr>
+              <a:buSzPts val="1800"/>
+              <a:buChar char="●"/>
+            </a:pPr>
+            <a:r>
+              <a:rPr lang="en">
+                <a:solidFill>
+                  <a:srgbClr val="000000"/>
+                </a:solidFill>
+              </a:rPr>
+              <a:t>Data is regularly backed up for disaster recovery</a:t>
             </a:r>
             <a:endParaRPr>
               <a:solidFill>
@@ -11973,7 +12263,7 @@
             </a:pPr>
             <a:r>
               <a:rPr lang="en"/>
-              <a:t>Needs unique ID and password (will be verified by the system)</a:t>
+              <a:t>Uses myUMBC login and authentication (will be verified by the system)</a:t>
             </a:r>
             <a:endParaRPr/>
           </a:p>
@@ -12144,7 +12434,7 @@
             </a:pPr>
             <a:r>
               <a:rPr lang="en"/>
-              <a:t>The app will be multilingual so that it is easier to use for students who don’t have English as their first language</a:t>
+              <a:t>The mobile app will be multilingual so that it is easier to use for students who don’t have English as their first language</a:t>
             </a:r>
             <a:endParaRPr/>
           </a:p>
@@ -12162,6 +12452,40 @@
             <a:r>
               <a:rPr lang="en"/>
               <a:t>Easily adjustable for multiple languages due to diversity of the student population</a:t>
+            </a:r>
+            <a:endParaRPr/>
+          </a:p>
+          <a:p>
+            <a:pPr indent="-342900" lvl="0" marL="457200" rtl="0" algn="l">
+              <a:spcBef>
+                <a:spcPts val="0"/>
+              </a:spcBef>
+              <a:spcAft>
+                <a:spcPts val="0"/>
+              </a:spcAft>
+              <a:buSzPts val="1800"/>
+              <a:buChar char="●"/>
+            </a:pPr>
+            <a:r>
+              <a:rPr lang="en"/>
+              <a:t>Laptop identification and photo process should feel unobtrusive </a:t>
+            </a:r>
+            <a:endParaRPr/>
+          </a:p>
+          <a:p>
+            <a:pPr indent="-342900" lvl="0" marL="457200" rtl="0" algn="l">
+              <a:spcBef>
+                <a:spcPts val="0"/>
+              </a:spcBef>
+              <a:spcAft>
+                <a:spcPts val="0"/>
+              </a:spcAft>
+              <a:buSzPts val="1800"/>
+              <a:buChar char="●"/>
+            </a:pPr>
+            <a:r>
+              <a:rPr lang="en"/>
+              <a:t>The patrons should not be offended.</a:t>
             </a:r>
             <a:endParaRPr/>
           </a:p>
